--- a/report/fig_cleaning_experiment_robot_flow_chart.pptx
+++ b/report/fig_cleaning_experiment_robot_flow_chart.pptx
@@ -7,6 +7,8 @@
   <p:sldIdLst>
     <p:sldId id="256" r:id="rId2"/>
     <p:sldId id="257" r:id="rId3"/>
+    <p:sldId id="258" r:id="rId4"/>
+    <p:sldId id="259" r:id="rId5"/>
   </p:sldIdLst>
   <p:sldSz cx="12192000" cy="6858000"/>
   <p:notesSz cx="6858000" cy="9144000"/>
@@ -244,7 +246,7 @@
           <a:p>
             <a:fld id="{C8E71CB8-E88F-44BE-9CAD-F2C24512BF4E}" type="datetimeFigureOut">
               <a:rPr lang="en-US" smtClean="0"/>
-              <a:t>1/28/2019</a:t>
+              <a:t>1/30/2019</a:t>
             </a:fld>
             <a:endParaRPr lang="en-US"/>
           </a:p>
@@ -446,7 +448,7 @@
           <a:p>
             <a:fld id="{C8E71CB8-E88F-44BE-9CAD-F2C24512BF4E}" type="datetimeFigureOut">
               <a:rPr lang="en-US" smtClean="0"/>
-              <a:t>1/28/2019</a:t>
+              <a:t>1/30/2019</a:t>
             </a:fld>
             <a:endParaRPr lang="en-US"/>
           </a:p>
@@ -658,7 +660,7 @@
           <a:p>
             <a:fld id="{C8E71CB8-E88F-44BE-9CAD-F2C24512BF4E}" type="datetimeFigureOut">
               <a:rPr lang="en-US" smtClean="0"/>
-              <a:t>1/28/2019</a:t>
+              <a:t>1/30/2019</a:t>
             </a:fld>
             <a:endParaRPr lang="en-US"/>
           </a:p>
@@ -860,7 +862,7 @@
           <a:p>
             <a:fld id="{C8E71CB8-E88F-44BE-9CAD-F2C24512BF4E}" type="datetimeFigureOut">
               <a:rPr lang="en-US" smtClean="0"/>
-              <a:t>1/28/2019</a:t>
+              <a:t>1/30/2019</a:t>
             </a:fld>
             <a:endParaRPr lang="en-US"/>
           </a:p>
@@ -1106,7 +1108,7 @@
           <a:p>
             <a:fld id="{C8E71CB8-E88F-44BE-9CAD-F2C24512BF4E}" type="datetimeFigureOut">
               <a:rPr lang="en-US" smtClean="0"/>
-              <a:t>1/28/2019</a:t>
+              <a:t>1/30/2019</a:t>
             </a:fld>
             <a:endParaRPr lang="en-US"/>
           </a:p>
@@ -1402,7 +1404,7 @@
           <a:p>
             <a:fld id="{C8E71CB8-E88F-44BE-9CAD-F2C24512BF4E}" type="datetimeFigureOut">
               <a:rPr lang="en-US" smtClean="0"/>
-              <a:t>1/28/2019</a:t>
+              <a:t>1/30/2019</a:t>
             </a:fld>
             <a:endParaRPr lang="en-US"/>
           </a:p>
@@ -1833,7 +1835,7 @@
           <a:p>
             <a:fld id="{C8E71CB8-E88F-44BE-9CAD-F2C24512BF4E}" type="datetimeFigureOut">
               <a:rPr lang="en-US" smtClean="0"/>
-              <a:t>1/28/2019</a:t>
+              <a:t>1/30/2019</a:t>
             </a:fld>
             <a:endParaRPr lang="en-US"/>
           </a:p>
@@ -1951,7 +1953,7 @@
           <a:p>
             <a:fld id="{C8E71CB8-E88F-44BE-9CAD-F2C24512BF4E}" type="datetimeFigureOut">
               <a:rPr lang="en-US" smtClean="0"/>
-              <a:t>1/28/2019</a:t>
+              <a:t>1/30/2019</a:t>
             </a:fld>
             <a:endParaRPr lang="en-US"/>
           </a:p>
@@ -2046,7 +2048,7 @@
           <a:p>
             <a:fld id="{C8E71CB8-E88F-44BE-9CAD-F2C24512BF4E}" type="datetimeFigureOut">
               <a:rPr lang="en-US" smtClean="0"/>
-              <a:t>1/28/2019</a:t>
+              <a:t>1/30/2019</a:t>
             </a:fld>
             <a:endParaRPr lang="en-US"/>
           </a:p>
@@ -2355,7 +2357,7 @@
           <a:p>
             <a:fld id="{C8E71CB8-E88F-44BE-9CAD-F2C24512BF4E}" type="datetimeFigureOut">
               <a:rPr lang="en-US" smtClean="0"/>
-              <a:t>1/28/2019</a:t>
+              <a:t>1/30/2019</a:t>
             </a:fld>
             <a:endParaRPr lang="en-US"/>
           </a:p>
@@ -2608,7 +2610,7 @@
           <a:p>
             <a:fld id="{C8E71CB8-E88F-44BE-9CAD-F2C24512BF4E}" type="datetimeFigureOut">
               <a:rPr lang="en-US" smtClean="0"/>
-              <a:t>1/28/2019</a:t>
+              <a:t>1/30/2019</a:t>
             </a:fld>
             <a:endParaRPr lang="en-US"/>
           </a:p>
@@ -2853,7 +2855,7 @@
           <a:p>
             <a:fld id="{C8E71CB8-E88F-44BE-9CAD-F2C24512BF4E}" type="datetimeFigureOut">
               <a:rPr lang="en-US" smtClean="0"/>
-              <a:t>1/28/2019</a:t>
+              <a:t>1/30/2019</a:t>
             </a:fld>
             <a:endParaRPr lang="en-US"/>
           </a:p>
@@ -4342,8 +4344,8 @@
           </p:nvSpPr>
           <p:spPr>
             <a:xfrm>
-              <a:off x="4572151" y="161361"/>
-              <a:ext cx="1863615" cy="6598024"/>
+              <a:off x="4502805" y="161361"/>
+              <a:ext cx="2046520" cy="6598024"/>
             </a:xfrm>
             <a:prstGeom prst="rect">
               <a:avLst/>
@@ -4376,7 +4378,7 @@
             <a:lstStyle/>
             <a:p>
               <a:pPr algn="ctr"/>
-              <a:endParaRPr lang="en-US"/>
+              <a:endParaRPr lang="en-US" sz="1200"/>
             </a:p>
           </p:txBody>
         </p:sp>
@@ -4388,8 +4390,8 @@
           </p:nvSpPr>
           <p:spPr>
             <a:xfrm>
-              <a:off x="4746138" y="2405638"/>
-              <a:ext cx="1559857" cy="923362"/>
+              <a:off x="4675155" y="2387671"/>
+              <a:ext cx="1689628" cy="1026549"/>
             </a:xfrm>
             <a:prstGeom prst="ellipse">
               <a:avLst/>
@@ -4423,7 +4425,7 @@
             <a:p>
               <a:pPr algn="ctr"/>
               <a:r>
-                <a:rPr lang="en-US" sz="1100" dirty="0" smtClean="0">
+                <a:rPr lang="en-US" sz="1200" dirty="0" smtClean="0">
                   <a:solidFill>
                     <a:schemeClr val="tx1"/>
                   </a:solidFill>
@@ -4436,7 +4438,7 @@
             <a:p>
               <a:pPr algn="ctr"/>
               <a:r>
-                <a:rPr lang="en-US" sz="1100" dirty="0" smtClean="0">
+                <a:rPr lang="en-US" sz="1200" dirty="0" smtClean="0">
                   <a:solidFill>
                     <a:schemeClr val="tx1"/>
                   </a:solidFill>
@@ -4445,7 +4447,7 @@
                 </a:rPr>
                 <a:t>And face right side of robot to toilet bowl.</a:t>
               </a:r>
-              <a:endParaRPr lang="en-US" sz="1100" dirty="0">
+              <a:endParaRPr lang="en-US" sz="1200" dirty="0">
                 <a:solidFill>
                   <a:schemeClr val="tx1"/>
                 </a:solidFill>
@@ -4498,14 +4500,14 @@
             <a:p>
               <a:pPr algn="ctr"/>
               <a:r>
-                <a:rPr lang="en-US" sz="1100" dirty="0" smtClean="0">
+                <a:rPr lang="en-US" sz="1200" dirty="0" smtClean="0">
                   <a:solidFill>
                     <a:schemeClr val="tx1"/>
                   </a:solidFill>
                   <a:latin typeface="Times New Roman" panose="02020603050405020304" pitchFamily="18" charset="0"/>
                   <a:cs typeface="Times New Roman" panose="02020603050405020304" pitchFamily="18" charset="0"/>
                 </a:rPr>
-                <a:t>Start at initial position</a:t>
+                <a:t>Start at initial position.</a:t>
               </a:r>
             </a:p>
           </p:txBody>
@@ -4553,7 +4555,7 @@
             <a:p>
               <a:pPr algn="ctr"/>
               <a:r>
-                <a:rPr lang="en-US" sz="1100" dirty="0" smtClean="0">
+                <a:rPr lang="en-US" sz="1200" dirty="0" smtClean="0">
                   <a:solidFill>
                     <a:schemeClr val="tx1"/>
                   </a:solidFill>
@@ -4566,7 +4568,7 @@
             <a:p>
               <a:pPr algn="ctr"/>
               <a:r>
-                <a:rPr lang="en-US" sz="1100" dirty="0" smtClean="0">
+                <a:rPr lang="en-US" sz="1200" dirty="0" smtClean="0">
                   <a:solidFill>
                     <a:schemeClr val="tx1"/>
                   </a:solidFill>
@@ -4575,7 +4577,7 @@
                 </a:rPr>
                 <a:t>restart to go.</a:t>
               </a:r>
-              <a:endParaRPr lang="en-US" sz="1100" dirty="0">
+              <a:endParaRPr lang="en-US" sz="1200" dirty="0">
                 <a:solidFill>
                   <a:schemeClr val="tx1"/>
                 </a:solidFill>
@@ -4628,7 +4630,7 @@
             <a:p>
               <a:pPr algn="ctr"/>
               <a:r>
-                <a:rPr lang="en-US" sz="1100" dirty="0" smtClean="0">
+                <a:rPr lang="en-US" sz="1200" dirty="0" smtClean="0">
                   <a:solidFill>
                     <a:schemeClr val="tx1"/>
                   </a:solidFill>
@@ -4637,7 +4639,7 @@
                 </a:rPr>
                 <a:t>Set elbow joint torque mode.</a:t>
               </a:r>
-              <a:endParaRPr lang="en-US" sz="1100" dirty="0">
+              <a:endParaRPr lang="en-US" sz="1200" dirty="0">
                 <a:solidFill>
                   <a:schemeClr val="tx1"/>
                 </a:solidFill>
@@ -4655,8 +4657,8 @@
           </p:nvSpPr>
           <p:spPr>
             <a:xfrm>
-              <a:off x="4746138" y="4670082"/>
-              <a:ext cx="1559857" cy="914398"/>
+              <a:off x="4610965" y="4670082"/>
+              <a:ext cx="1830200" cy="914398"/>
             </a:xfrm>
             <a:prstGeom prst="ellipse">
               <a:avLst/>
@@ -4690,7 +4692,7 @@
             <a:p>
               <a:pPr algn="ctr"/>
               <a:r>
-                <a:rPr lang="en-US" sz="1100" dirty="0" smtClean="0">
+                <a:rPr lang="en-US" sz="1200" dirty="0" smtClean="0">
                   <a:solidFill>
                     <a:schemeClr val="tx1"/>
                   </a:solidFill>
@@ -4699,7 +4701,7 @@
                 </a:rPr>
                 <a:t>Move end effector from top of toilet to bottom by shoulder joint.</a:t>
               </a:r>
-              <a:endParaRPr lang="en-US" sz="1100" dirty="0">
+              <a:endParaRPr lang="en-US" sz="1200" dirty="0">
                 <a:solidFill>
                   <a:schemeClr val="tx1"/>
                 </a:solidFill>
@@ -4717,8 +4719,8 @@
           </p:nvSpPr>
           <p:spPr>
             <a:xfrm>
-              <a:off x="2565701" y="3505200"/>
-              <a:ext cx="1559857" cy="995078"/>
+              <a:off x="2451251" y="3505200"/>
+              <a:ext cx="1800837" cy="995078"/>
             </a:xfrm>
             <a:prstGeom prst="ellipse">
               <a:avLst/>
@@ -4752,14 +4754,14 @@
             <a:p>
               <a:pPr algn="ctr"/>
               <a:r>
-                <a:rPr lang="en-US" sz="1100" dirty="0" smtClean="0">
+                <a:rPr lang="en-US" sz="1200" dirty="0" smtClean="0">
                   <a:solidFill>
                     <a:schemeClr val="tx1"/>
                   </a:solidFill>
                   <a:latin typeface="Times New Roman" panose="02020603050405020304" pitchFamily="18" charset="0"/>
                   <a:cs typeface="Times New Roman" panose="02020603050405020304" pitchFamily="18" charset="0"/>
                 </a:rPr>
-                <a:t>Go around toilet bowl with keeping distance 20mm and cleaning</a:t>
+                <a:t>Go around toilet bowl with keeping distance 200mm and cleaning.</a:t>
               </a:r>
             </a:p>
           </p:txBody>
@@ -4807,14 +4809,14 @@
             <a:p>
               <a:pPr algn="ctr"/>
               <a:r>
-                <a:rPr lang="en-US" sz="1100" dirty="0" smtClean="0">
+                <a:rPr lang="en-US" sz="1200" dirty="0" smtClean="0">
                   <a:solidFill>
                     <a:schemeClr val="tx1"/>
                   </a:solidFill>
                   <a:latin typeface="Times New Roman" panose="02020603050405020304" pitchFamily="18" charset="0"/>
                   <a:cs typeface="Times New Roman" panose="02020603050405020304" pitchFamily="18" charset="0"/>
                 </a:rPr>
-                <a:t>Set end effector at bottom side of toilet bowl</a:t>
+                <a:t>Set end effector at bottom side of toilet bowl.</a:t>
               </a:r>
             </a:p>
           </p:txBody>
@@ -4862,7 +4864,7 @@
             <a:p>
               <a:pPr algn="ctr"/>
               <a:r>
-                <a:rPr lang="en-US" sz="1100" dirty="0" smtClean="0">
+                <a:rPr lang="en-US" sz="1200" dirty="0" smtClean="0">
                   <a:solidFill>
                     <a:schemeClr val="tx1"/>
                   </a:solidFill>
@@ -4871,7 +4873,7 @@
                 </a:rPr>
                 <a:t>Set elbow joint torque mode.</a:t>
               </a:r>
-              <a:endParaRPr lang="en-US" sz="1100" dirty="0">
+              <a:endParaRPr lang="en-US" sz="1200" dirty="0">
                 <a:solidFill>
                   <a:schemeClr val="tx1"/>
                 </a:solidFill>
@@ -4889,8 +4891,8 @@
           </p:nvSpPr>
           <p:spPr>
             <a:xfrm>
-              <a:off x="4746138" y="1318239"/>
-              <a:ext cx="1559857" cy="833716"/>
+              <a:off x="4645856" y="1318239"/>
+              <a:ext cx="1760418" cy="833716"/>
             </a:xfrm>
             <a:prstGeom prst="ellipse">
               <a:avLst/>
@@ -4924,14 +4926,14 @@
             <a:p>
               <a:pPr algn="ctr"/>
               <a:r>
-                <a:rPr lang="en-US" sz="1100" dirty="0" smtClean="0">
+                <a:rPr lang="en-US" sz="1200" dirty="0" smtClean="0">
                   <a:solidFill>
                     <a:schemeClr val="tx1"/>
                   </a:solidFill>
                   <a:latin typeface="Times New Roman" panose="02020603050405020304" pitchFamily="18" charset="0"/>
                   <a:cs typeface="Times New Roman" panose="02020603050405020304" pitchFamily="18" charset="0"/>
                 </a:rPr>
-                <a:t>Go to front of toilet bowl with keeping distance 20mm.</a:t>
+                <a:t>Go to front of toilet bowl with keeping distance 200mm.</a:t>
               </a:r>
             </a:p>
           </p:txBody>
@@ -4946,9 +4948,9 @@
             <p:nvPr/>
           </p:nvCxnSpPr>
           <p:spPr>
-            <a:xfrm>
-              <a:off x="5526067" y="1064556"/>
-              <a:ext cx="0" cy="253683"/>
+            <a:xfrm flipH="1">
+              <a:off x="5526065" y="1064556"/>
+              <a:ext cx="2" cy="253683"/>
             </a:xfrm>
             <a:prstGeom prst="straightConnector1">
               <a:avLst/>
@@ -4979,14 +4981,15 @@
           <p:nvCxnSpPr>
             <p:cNvPr id="14" name="直線矢印コネクタ 13"/>
             <p:cNvCxnSpPr>
+              <a:stCxn id="12" idx="4"/>
               <a:endCxn id="4" idx="0"/>
             </p:cNvCxnSpPr>
             <p:nvPr/>
           </p:nvCxnSpPr>
           <p:spPr>
-            <a:xfrm>
-              <a:off x="5526066" y="2134357"/>
-              <a:ext cx="1" cy="271281"/>
+            <a:xfrm flipH="1">
+              <a:off x="5519969" y="2151955"/>
+              <a:ext cx="6096" cy="235716"/>
             </a:xfrm>
             <a:prstGeom prst="straightConnector1">
               <a:avLst/>
@@ -5024,8 +5027,8 @@
           </p:nvCxnSpPr>
           <p:spPr>
             <a:xfrm>
-              <a:off x="5526067" y="3329000"/>
-              <a:ext cx="0" cy="253683"/>
+              <a:off x="5519969" y="3414220"/>
+              <a:ext cx="6098" cy="168463"/>
             </a:xfrm>
             <a:prstGeom prst="straightConnector1">
               <a:avLst/>
@@ -5062,9 +5065,9 @@
             <p:nvPr/>
           </p:nvCxnSpPr>
           <p:spPr>
-            <a:xfrm>
-              <a:off x="5526067" y="4416399"/>
-              <a:ext cx="0" cy="253683"/>
+            <a:xfrm flipH="1">
+              <a:off x="5526065" y="4416399"/>
+              <a:ext cx="2" cy="253683"/>
             </a:xfrm>
             <a:prstGeom prst="straightConnector1">
               <a:avLst/>
@@ -5096,13 +5099,14 @@
             <p:cNvPr id="17" name="直線矢印コネクタ 16"/>
             <p:cNvCxnSpPr>
               <a:stCxn id="8" idx="4"/>
+              <a:endCxn id="6" idx="0"/>
             </p:cNvCxnSpPr>
             <p:nvPr/>
           </p:nvCxnSpPr>
           <p:spPr>
-            <a:xfrm flipH="1">
-              <a:off x="5526066" y="5584480"/>
-              <a:ext cx="1" cy="253681"/>
+            <a:xfrm>
+              <a:off x="5526065" y="5584480"/>
+              <a:ext cx="2" cy="253681"/>
             </a:xfrm>
             <a:prstGeom prst="straightConnector1">
               <a:avLst/>
@@ -5180,7 +5184,7 @@
           <p:spPr>
             <a:xfrm>
               <a:off x="3345630" y="3314595"/>
-              <a:ext cx="0" cy="190605"/>
+              <a:ext cx="6040" cy="190605"/>
             </a:xfrm>
             <a:prstGeom prst="straightConnector1">
               <a:avLst/>
@@ -5288,7 +5292,7 @@
             <a:lstStyle/>
             <a:p>
               <a:pPr algn="ctr"/>
-              <a:endParaRPr lang="en-US"/>
+              <a:endParaRPr lang="en-US" sz="1200"/>
             </a:p>
           </p:txBody>
         </p:sp>
@@ -5319,14 +5323,7 @@
                   <a:latin typeface="Times New Roman" panose="02020603050405020304" pitchFamily="18" charset="0"/>
                   <a:cs typeface="Times New Roman" panose="02020603050405020304" pitchFamily="18" charset="0"/>
                 </a:rPr>
-                <a:t>Simple </a:t>
-              </a:r>
-              <a:r>
-                <a:rPr lang="en-US" sz="1200" dirty="0" smtClean="0">
-                  <a:latin typeface="Times New Roman" panose="02020603050405020304" pitchFamily="18" charset="0"/>
-                  <a:cs typeface="Times New Roman" panose="02020603050405020304" pitchFamily="18" charset="0"/>
-                </a:rPr>
-                <a:t>process</a:t>
+                <a:t>Simple process</a:t>
               </a:r>
               <a:endParaRPr lang="en-US" sz="1200" dirty="0">
                 <a:latin typeface="Times New Roman" panose="02020603050405020304" pitchFamily="18" charset="0"/>
@@ -5362,14 +5359,7 @@
                   <a:latin typeface="Times New Roman" panose="02020603050405020304" pitchFamily="18" charset="0"/>
                   <a:cs typeface="Times New Roman" panose="02020603050405020304" pitchFamily="18" charset="0"/>
                 </a:rPr>
-                <a:t>Improved </a:t>
-              </a:r>
-              <a:r>
-                <a:rPr lang="en-US" sz="1200" dirty="0" smtClean="0">
-                  <a:latin typeface="Times New Roman" panose="02020603050405020304" pitchFamily="18" charset="0"/>
-                  <a:cs typeface="Times New Roman" panose="02020603050405020304" pitchFamily="18" charset="0"/>
-                </a:rPr>
-                <a:t>process</a:t>
+                <a:t>Improved process</a:t>
               </a:r>
               <a:endParaRPr lang="en-US" sz="1200" dirty="0">
                 <a:latin typeface="Times New Roman" panose="02020603050405020304" pitchFamily="18" charset="0"/>
@@ -5383,6 +5373,1060 @@
     <p:extLst>
       <p:ext uri="{BB962C8B-B14F-4D97-AF65-F5344CB8AC3E}">
         <p14:creationId xmlns:p14="http://schemas.microsoft.com/office/powerpoint/2010/main" val="3102943422"/>
+      </p:ext>
+    </p:extLst>
+  </p:cSld>
+  <p:clrMapOvr>
+    <a:masterClrMapping/>
+  </p:clrMapOvr>
+</p:sld>
+</file>
+
+<file path=ppt/slides/slide3.xml><?xml version="1.0" encoding="utf-8"?>
+<p:sld xmlns:a="http://schemas.openxmlformats.org/drawingml/2006/main" xmlns:r="http://schemas.openxmlformats.org/officeDocument/2006/relationships" xmlns:p="http://schemas.openxmlformats.org/presentationml/2006/main">
+  <p:cSld>
+    <p:spTree>
+      <p:nvGrpSpPr>
+        <p:cNvPr id="1" name=""/>
+        <p:cNvGrpSpPr/>
+        <p:nvPr/>
+      </p:nvGrpSpPr>
+      <p:grpSpPr>
+        <a:xfrm>
+          <a:off x="0" y="0"/>
+          <a:ext cx="0" cy="0"/>
+          <a:chOff x="0" y="0"/>
+          <a:chExt cx="0" cy="0"/>
+        </a:xfrm>
+      </p:grpSpPr>
+      <p:grpSp>
+        <p:nvGrpSpPr>
+          <p:cNvPr id="52" name="グループ化 51"/>
+          <p:cNvGrpSpPr/>
+          <p:nvPr/>
+        </p:nvGrpSpPr>
+        <p:grpSpPr>
+          <a:xfrm>
+            <a:off x="5847594" y="530163"/>
+            <a:ext cx="1850668" cy="5248622"/>
+            <a:chOff x="5847594" y="530163"/>
+            <a:chExt cx="1850668" cy="5248622"/>
+          </a:xfrm>
+        </p:grpSpPr>
+        <p:sp>
+          <p:nvSpPr>
+            <p:cNvPr id="5" name="楕円 4"/>
+            <p:cNvSpPr/>
+            <p:nvPr/>
+          </p:nvSpPr>
+          <p:spPr>
+            <a:xfrm>
+              <a:off x="5993000" y="530163"/>
+              <a:ext cx="1559857" cy="833716"/>
+            </a:xfrm>
+            <a:prstGeom prst="ellipse">
+              <a:avLst/>
+            </a:prstGeom>
+            <a:noFill/>
+            <a:ln w="19050">
+              <a:solidFill>
+                <a:schemeClr val="tx1"/>
+              </a:solidFill>
+            </a:ln>
+          </p:spPr>
+          <p:style>
+            <a:lnRef idx="2">
+              <a:schemeClr val="accent1">
+                <a:shade val="50000"/>
+              </a:schemeClr>
+            </a:lnRef>
+            <a:fillRef idx="1">
+              <a:schemeClr val="accent1"/>
+            </a:fillRef>
+            <a:effectRef idx="0">
+              <a:schemeClr val="accent1"/>
+            </a:effectRef>
+            <a:fontRef idx="minor">
+              <a:schemeClr val="lt1"/>
+            </a:fontRef>
+          </p:style>
+          <p:txBody>
+            <a:bodyPr rtlCol="0" anchor="ctr"/>
+            <a:lstStyle/>
+            <a:p>
+              <a:pPr algn="ctr"/>
+              <a:r>
+                <a:rPr lang="en-US" sz="1200" dirty="0" smtClean="0">
+                  <a:solidFill>
+                    <a:schemeClr val="tx1"/>
+                  </a:solidFill>
+                  <a:latin typeface="Times New Roman" panose="02020603050405020304" pitchFamily="18" charset="0"/>
+                  <a:cs typeface="Times New Roman" panose="02020603050405020304" pitchFamily="18" charset="0"/>
+                </a:rPr>
+                <a:t>Start at initial position.</a:t>
+              </a:r>
+            </a:p>
+          </p:txBody>
+        </p:sp>
+        <p:sp>
+          <p:nvSpPr>
+            <p:cNvPr id="6" name="楕円 5"/>
+            <p:cNvSpPr/>
+            <p:nvPr/>
+          </p:nvSpPr>
+          <p:spPr>
+            <a:xfrm>
+              <a:off x="5993000" y="4945069"/>
+              <a:ext cx="1559857" cy="833716"/>
+            </a:xfrm>
+            <a:prstGeom prst="ellipse">
+              <a:avLst/>
+            </a:prstGeom>
+            <a:noFill/>
+            <a:ln w="19050">
+              <a:solidFill>
+                <a:schemeClr val="tx1"/>
+              </a:solidFill>
+            </a:ln>
+          </p:spPr>
+          <p:style>
+            <a:lnRef idx="2">
+              <a:schemeClr val="accent1">
+                <a:shade val="50000"/>
+              </a:schemeClr>
+            </a:lnRef>
+            <a:fillRef idx="1">
+              <a:schemeClr val="accent1"/>
+            </a:fillRef>
+            <a:effectRef idx="0">
+              <a:schemeClr val="accent1"/>
+            </a:effectRef>
+            <a:fontRef idx="minor">
+              <a:schemeClr val="lt1"/>
+            </a:fontRef>
+          </p:style>
+          <p:txBody>
+            <a:bodyPr rtlCol="0" anchor="ctr"/>
+            <a:lstStyle/>
+            <a:p>
+              <a:pPr algn="ctr"/>
+              <a:r>
+                <a:rPr lang="en-US" sz="1200" dirty="0" smtClean="0">
+                  <a:solidFill>
+                    <a:schemeClr val="tx1"/>
+                  </a:solidFill>
+                  <a:latin typeface="Times New Roman" panose="02020603050405020304" pitchFamily="18" charset="0"/>
+                  <a:cs typeface="Times New Roman" panose="02020603050405020304" pitchFamily="18" charset="0"/>
+                </a:rPr>
+                <a:t>Reset robotic arm rest pose and </a:t>
+              </a:r>
+            </a:p>
+            <a:p>
+              <a:pPr algn="ctr"/>
+              <a:r>
+                <a:rPr lang="en-US" sz="1200" dirty="0" smtClean="0">
+                  <a:solidFill>
+                    <a:schemeClr val="tx1"/>
+                  </a:solidFill>
+                  <a:latin typeface="Times New Roman" panose="02020603050405020304" pitchFamily="18" charset="0"/>
+                  <a:cs typeface="Times New Roman" panose="02020603050405020304" pitchFamily="18" charset="0"/>
+                </a:rPr>
+                <a:t>restart to go.</a:t>
+              </a:r>
+              <a:endParaRPr lang="en-US" sz="1200" dirty="0">
+                <a:solidFill>
+                  <a:schemeClr val="tx1"/>
+                </a:solidFill>
+                <a:latin typeface="Times New Roman" panose="02020603050405020304" pitchFamily="18" charset="0"/>
+                <a:cs typeface="Times New Roman" panose="02020603050405020304" pitchFamily="18" charset="0"/>
+              </a:endParaRPr>
+            </a:p>
+          </p:txBody>
+        </p:sp>
+        <p:sp>
+          <p:nvSpPr>
+            <p:cNvPr id="7" name="楕円 6"/>
+            <p:cNvSpPr/>
+            <p:nvPr/>
+          </p:nvSpPr>
+          <p:spPr>
+            <a:xfrm>
+              <a:off x="5993000" y="1617562"/>
+              <a:ext cx="1559857" cy="833716"/>
+            </a:xfrm>
+            <a:prstGeom prst="ellipse">
+              <a:avLst/>
+            </a:prstGeom>
+            <a:noFill/>
+            <a:ln w="19050">
+              <a:solidFill>
+                <a:schemeClr val="tx1"/>
+              </a:solidFill>
+            </a:ln>
+          </p:spPr>
+          <p:style>
+            <a:lnRef idx="2">
+              <a:schemeClr val="accent1">
+                <a:shade val="50000"/>
+              </a:schemeClr>
+            </a:lnRef>
+            <a:fillRef idx="1">
+              <a:schemeClr val="accent1"/>
+            </a:fillRef>
+            <a:effectRef idx="0">
+              <a:schemeClr val="accent1"/>
+            </a:effectRef>
+            <a:fontRef idx="minor">
+              <a:schemeClr val="lt1"/>
+            </a:fontRef>
+          </p:style>
+          <p:txBody>
+            <a:bodyPr rtlCol="0" anchor="ctr"/>
+            <a:lstStyle/>
+            <a:p>
+              <a:pPr algn="ctr"/>
+              <a:r>
+                <a:rPr lang="en-US" sz="1200" dirty="0" smtClean="0">
+                  <a:solidFill>
+                    <a:schemeClr val="tx1"/>
+                  </a:solidFill>
+                  <a:latin typeface="Times New Roman" panose="02020603050405020304" pitchFamily="18" charset="0"/>
+                  <a:cs typeface="Times New Roman" panose="02020603050405020304" pitchFamily="18" charset="0"/>
+                </a:rPr>
+                <a:t>Set elbow joint torque mode.</a:t>
+              </a:r>
+              <a:endParaRPr lang="en-US" sz="1200" dirty="0">
+                <a:solidFill>
+                  <a:schemeClr val="tx1"/>
+                </a:solidFill>
+                <a:latin typeface="Times New Roman" panose="02020603050405020304" pitchFamily="18" charset="0"/>
+                <a:cs typeface="Times New Roman" panose="02020603050405020304" pitchFamily="18" charset="0"/>
+              </a:endParaRPr>
+            </a:p>
+          </p:txBody>
+        </p:sp>
+        <p:sp>
+          <p:nvSpPr>
+            <p:cNvPr id="12" name="楕円 11"/>
+            <p:cNvSpPr/>
+            <p:nvPr/>
+          </p:nvSpPr>
+          <p:spPr>
+            <a:xfrm>
+              <a:off x="5847594" y="3835900"/>
+              <a:ext cx="1850668" cy="833716"/>
+            </a:xfrm>
+            <a:prstGeom prst="ellipse">
+              <a:avLst/>
+            </a:prstGeom>
+            <a:noFill/>
+            <a:ln w="19050">
+              <a:solidFill>
+                <a:schemeClr val="tx1"/>
+              </a:solidFill>
+            </a:ln>
+          </p:spPr>
+          <p:style>
+            <a:lnRef idx="2">
+              <a:schemeClr val="accent1">
+                <a:shade val="50000"/>
+              </a:schemeClr>
+            </a:lnRef>
+            <a:fillRef idx="1">
+              <a:schemeClr val="accent1"/>
+            </a:fillRef>
+            <a:effectRef idx="0">
+              <a:schemeClr val="accent1"/>
+            </a:effectRef>
+            <a:fontRef idx="minor">
+              <a:schemeClr val="lt1"/>
+            </a:fontRef>
+          </p:style>
+          <p:txBody>
+            <a:bodyPr rtlCol="0" anchor="ctr"/>
+            <a:lstStyle/>
+            <a:p>
+              <a:pPr algn="ctr"/>
+              <a:r>
+                <a:rPr lang="en-US" sz="1200" dirty="0" smtClean="0">
+                  <a:solidFill>
+                    <a:schemeClr val="tx1"/>
+                  </a:solidFill>
+                  <a:latin typeface="Times New Roman" panose="02020603050405020304" pitchFamily="18" charset="0"/>
+                  <a:cs typeface="Times New Roman" panose="02020603050405020304" pitchFamily="18" charset="0"/>
+                </a:rPr>
+                <a:t>Go to the other side of bathroom with keeping distance 200mm.</a:t>
+              </a:r>
+            </a:p>
+          </p:txBody>
+        </p:sp>
+        <p:cxnSp>
+          <p:nvCxnSpPr>
+            <p:cNvPr id="13" name="直線矢印コネクタ 12"/>
+            <p:cNvCxnSpPr>
+              <a:stCxn id="35" idx="4"/>
+              <a:endCxn id="12" idx="0"/>
+            </p:cNvCxnSpPr>
+            <p:nvPr/>
+          </p:nvCxnSpPr>
+          <p:spPr>
+            <a:xfrm flipH="1">
+              <a:off x="6772928" y="3560447"/>
+              <a:ext cx="1" cy="275453"/>
+            </a:xfrm>
+            <a:prstGeom prst="straightConnector1">
+              <a:avLst/>
+            </a:prstGeom>
+            <a:ln w="19050">
+              <a:solidFill>
+                <a:schemeClr val="tx1"/>
+              </a:solidFill>
+              <a:tailEnd type="triangle"/>
+            </a:ln>
+          </p:spPr>
+          <p:style>
+            <a:lnRef idx="1">
+              <a:schemeClr val="accent1"/>
+            </a:lnRef>
+            <a:fillRef idx="0">
+              <a:schemeClr val="accent1"/>
+            </a:fillRef>
+            <a:effectRef idx="0">
+              <a:schemeClr val="accent1"/>
+            </a:effectRef>
+            <a:fontRef idx="minor">
+              <a:schemeClr val="tx1"/>
+            </a:fontRef>
+          </p:style>
+        </p:cxnSp>
+        <p:cxnSp>
+          <p:nvCxnSpPr>
+            <p:cNvPr id="15" name="直線矢印コネクタ 14"/>
+            <p:cNvCxnSpPr>
+              <a:stCxn id="5" idx="4"/>
+              <a:endCxn id="7" idx="0"/>
+            </p:cNvCxnSpPr>
+            <p:nvPr/>
+          </p:nvCxnSpPr>
+          <p:spPr>
+            <a:xfrm>
+              <a:off x="6772929" y="1363879"/>
+              <a:ext cx="0" cy="253683"/>
+            </a:xfrm>
+            <a:prstGeom prst="straightConnector1">
+              <a:avLst/>
+            </a:prstGeom>
+            <a:ln w="19050">
+              <a:solidFill>
+                <a:schemeClr val="tx1"/>
+              </a:solidFill>
+              <a:tailEnd type="triangle"/>
+            </a:ln>
+          </p:spPr>
+          <p:style>
+            <a:lnRef idx="1">
+              <a:schemeClr val="accent1"/>
+            </a:lnRef>
+            <a:fillRef idx="0">
+              <a:schemeClr val="accent1"/>
+            </a:fillRef>
+            <a:effectRef idx="0">
+              <a:schemeClr val="accent1"/>
+            </a:effectRef>
+            <a:fontRef idx="minor">
+              <a:schemeClr val="tx1"/>
+            </a:fontRef>
+          </p:style>
+        </p:cxnSp>
+        <p:cxnSp>
+          <p:nvCxnSpPr>
+            <p:cNvPr id="16" name="直線矢印コネクタ 15"/>
+            <p:cNvCxnSpPr>
+              <a:stCxn id="7" idx="4"/>
+              <a:endCxn id="35" idx="0"/>
+            </p:cNvCxnSpPr>
+            <p:nvPr/>
+          </p:nvCxnSpPr>
+          <p:spPr>
+            <a:xfrm>
+              <a:off x="6772929" y="2451278"/>
+              <a:ext cx="0" cy="275453"/>
+            </a:xfrm>
+            <a:prstGeom prst="straightConnector1">
+              <a:avLst/>
+            </a:prstGeom>
+            <a:ln w="19050">
+              <a:solidFill>
+                <a:schemeClr val="tx1"/>
+              </a:solidFill>
+              <a:tailEnd type="triangle"/>
+            </a:ln>
+          </p:spPr>
+          <p:style>
+            <a:lnRef idx="1">
+              <a:schemeClr val="accent1"/>
+            </a:lnRef>
+            <a:fillRef idx="0">
+              <a:schemeClr val="accent1"/>
+            </a:fillRef>
+            <a:effectRef idx="0">
+              <a:schemeClr val="accent1"/>
+            </a:effectRef>
+            <a:fontRef idx="minor">
+              <a:schemeClr val="tx1"/>
+            </a:fontRef>
+          </p:style>
+        </p:cxnSp>
+        <p:cxnSp>
+          <p:nvCxnSpPr>
+            <p:cNvPr id="17" name="直線矢印コネクタ 16"/>
+            <p:cNvCxnSpPr>
+              <a:stCxn id="12" idx="4"/>
+              <a:endCxn id="6" idx="0"/>
+            </p:cNvCxnSpPr>
+            <p:nvPr/>
+          </p:nvCxnSpPr>
+          <p:spPr>
+            <a:xfrm>
+              <a:off x="6772928" y="4669616"/>
+              <a:ext cx="1" cy="275453"/>
+            </a:xfrm>
+            <a:prstGeom prst="straightConnector1">
+              <a:avLst/>
+            </a:prstGeom>
+            <a:ln w="19050">
+              <a:solidFill>
+                <a:schemeClr val="tx1"/>
+              </a:solidFill>
+              <a:tailEnd type="triangle"/>
+            </a:ln>
+          </p:spPr>
+          <p:style>
+            <a:lnRef idx="1">
+              <a:schemeClr val="accent1"/>
+            </a:lnRef>
+            <a:fillRef idx="0">
+              <a:schemeClr val="accent1"/>
+            </a:fillRef>
+            <a:effectRef idx="0">
+              <a:schemeClr val="accent1"/>
+            </a:effectRef>
+            <a:fontRef idx="minor">
+              <a:schemeClr val="tx1"/>
+            </a:fontRef>
+          </p:style>
+        </p:cxnSp>
+        <p:sp>
+          <p:nvSpPr>
+            <p:cNvPr id="35" name="楕円 34"/>
+            <p:cNvSpPr/>
+            <p:nvPr/>
+          </p:nvSpPr>
+          <p:spPr>
+            <a:xfrm>
+              <a:off x="5993000" y="2726731"/>
+              <a:ext cx="1559857" cy="833716"/>
+            </a:xfrm>
+            <a:prstGeom prst="ellipse">
+              <a:avLst/>
+            </a:prstGeom>
+            <a:noFill/>
+            <a:ln w="19050">
+              <a:solidFill>
+                <a:schemeClr val="tx1"/>
+              </a:solidFill>
+            </a:ln>
+          </p:spPr>
+          <p:style>
+            <a:lnRef idx="2">
+              <a:schemeClr val="accent1">
+                <a:shade val="50000"/>
+              </a:schemeClr>
+            </a:lnRef>
+            <a:fillRef idx="1">
+              <a:schemeClr val="accent1"/>
+            </a:fillRef>
+            <a:effectRef idx="0">
+              <a:schemeClr val="accent1"/>
+            </a:effectRef>
+            <a:fontRef idx="minor">
+              <a:schemeClr val="lt1"/>
+            </a:fontRef>
+          </p:style>
+          <p:txBody>
+            <a:bodyPr rtlCol="0" anchor="ctr"/>
+            <a:lstStyle/>
+            <a:p>
+              <a:pPr algn="ctr"/>
+              <a:r>
+                <a:rPr lang="en-US" sz="1200" dirty="0" smtClean="0">
+                  <a:solidFill>
+                    <a:schemeClr val="tx1"/>
+                  </a:solidFill>
+                  <a:latin typeface="Times New Roman" panose="02020603050405020304" pitchFamily="18" charset="0"/>
+                  <a:cs typeface="Times New Roman" panose="02020603050405020304" pitchFamily="18" charset="0"/>
+                </a:rPr>
+                <a:t>Move end effector onto floor.</a:t>
+              </a:r>
+              <a:endParaRPr lang="en-US" sz="1200" dirty="0">
+                <a:solidFill>
+                  <a:schemeClr val="tx1"/>
+                </a:solidFill>
+                <a:latin typeface="Times New Roman" panose="02020603050405020304" pitchFamily="18" charset="0"/>
+                <a:cs typeface="Times New Roman" panose="02020603050405020304" pitchFamily="18" charset="0"/>
+              </a:endParaRPr>
+            </a:p>
+          </p:txBody>
+        </p:sp>
+        <p:cxnSp>
+          <p:nvCxnSpPr>
+            <p:cNvPr id="47" name="曲線コネクタ 46"/>
+            <p:cNvCxnSpPr>
+              <a:stCxn id="6" idx="2"/>
+              <a:endCxn id="5" idx="2"/>
+            </p:cNvCxnSpPr>
+            <p:nvPr/>
+          </p:nvCxnSpPr>
+          <p:spPr>
+            <a:xfrm rot="10800000">
+              <a:off x="5993000" y="947021"/>
+              <a:ext cx="12700" cy="4414906"/>
+            </a:xfrm>
+            <a:prstGeom prst="curvedConnector3">
+              <a:avLst>
+                <a:gd name="adj1" fmla="val 4266669"/>
+              </a:avLst>
+            </a:prstGeom>
+            <a:ln w="12700">
+              <a:solidFill>
+                <a:schemeClr val="tx1"/>
+              </a:solidFill>
+              <a:tailEnd type="triangle"/>
+            </a:ln>
+          </p:spPr>
+          <p:style>
+            <a:lnRef idx="1">
+              <a:schemeClr val="accent1"/>
+            </a:lnRef>
+            <a:fillRef idx="0">
+              <a:schemeClr val="accent1"/>
+            </a:fillRef>
+            <a:effectRef idx="0">
+              <a:schemeClr val="accent1"/>
+            </a:effectRef>
+            <a:fontRef idx="minor">
+              <a:schemeClr val="tx1"/>
+            </a:fontRef>
+          </p:style>
+        </p:cxnSp>
+      </p:grpSp>
+    </p:spTree>
+    <p:extLst>
+      <p:ext uri="{BB962C8B-B14F-4D97-AF65-F5344CB8AC3E}">
+        <p14:creationId xmlns:p14="http://schemas.microsoft.com/office/powerpoint/2010/main" val="4175693074"/>
+      </p:ext>
+    </p:extLst>
+  </p:cSld>
+  <p:clrMapOvr>
+    <a:masterClrMapping/>
+  </p:clrMapOvr>
+</p:sld>
+</file>
+
+<file path=ppt/slides/slide4.xml><?xml version="1.0" encoding="utf-8"?>
+<p:sld xmlns:a="http://schemas.openxmlformats.org/drawingml/2006/main" xmlns:r="http://schemas.openxmlformats.org/officeDocument/2006/relationships" xmlns:p="http://schemas.openxmlformats.org/presentationml/2006/main">
+  <p:cSld>
+    <p:spTree>
+      <p:nvGrpSpPr>
+        <p:cNvPr id="1" name=""/>
+        <p:cNvGrpSpPr/>
+        <p:nvPr/>
+      </p:nvGrpSpPr>
+      <p:grpSpPr>
+        <a:xfrm>
+          <a:off x="0" y="0"/>
+          <a:ext cx="0" cy="0"/>
+          <a:chOff x="0" y="0"/>
+          <a:chExt cx="0" cy="0"/>
+        </a:xfrm>
+      </p:grpSpPr>
+      <p:grpSp>
+        <p:nvGrpSpPr>
+          <p:cNvPr id="13" name="グループ化 12"/>
+          <p:cNvGrpSpPr/>
+          <p:nvPr/>
+        </p:nvGrpSpPr>
+        <p:grpSpPr>
+          <a:xfrm>
+            <a:off x="3680123" y="530163"/>
+            <a:ext cx="1850668" cy="5248622"/>
+            <a:chOff x="5847594" y="530163"/>
+            <a:chExt cx="1850668" cy="5248622"/>
+          </a:xfrm>
+        </p:grpSpPr>
+        <p:sp>
+          <p:nvSpPr>
+            <p:cNvPr id="14" name="楕円 13"/>
+            <p:cNvSpPr/>
+            <p:nvPr/>
+          </p:nvSpPr>
+          <p:spPr>
+            <a:xfrm>
+              <a:off x="5993000" y="530163"/>
+              <a:ext cx="1559857" cy="833716"/>
+            </a:xfrm>
+            <a:prstGeom prst="ellipse">
+              <a:avLst/>
+            </a:prstGeom>
+            <a:noFill/>
+            <a:ln w="19050">
+              <a:solidFill>
+                <a:schemeClr val="tx1"/>
+              </a:solidFill>
+            </a:ln>
+          </p:spPr>
+          <p:style>
+            <a:lnRef idx="2">
+              <a:schemeClr val="accent1">
+                <a:shade val="50000"/>
+              </a:schemeClr>
+            </a:lnRef>
+            <a:fillRef idx="1">
+              <a:schemeClr val="accent1"/>
+            </a:fillRef>
+            <a:effectRef idx="0">
+              <a:schemeClr val="accent1"/>
+            </a:effectRef>
+            <a:fontRef idx="minor">
+              <a:schemeClr val="lt1"/>
+            </a:fontRef>
+          </p:style>
+          <p:txBody>
+            <a:bodyPr rtlCol="0" anchor="ctr"/>
+            <a:lstStyle/>
+            <a:p>
+              <a:pPr algn="ctr"/>
+              <a:r>
+                <a:rPr lang="en-US" sz="1200" dirty="0" smtClean="0">
+                  <a:solidFill>
+                    <a:schemeClr val="tx1"/>
+                  </a:solidFill>
+                  <a:latin typeface="Times New Roman" panose="02020603050405020304" pitchFamily="18" charset="0"/>
+                  <a:cs typeface="Times New Roman" panose="02020603050405020304" pitchFamily="18" charset="0"/>
+                </a:rPr>
+                <a:t>Start at initial position.</a:t>
+              </a:r>
+            </a:p>
+          </p:txBody>
+        </p:sp>
+        <p:sp>
+          <p:nvSpPr>
+            <p:cNvPr id="15" name="楕円 14"/>
+            <p:cNvSpPr/>
+            <p:nvPr/>
+          </p:nvSpPr>
+          <p:spPr>
+            <a:xfrm>
+              <a:off x="5993000" y="4945069"/>
+              <a:ext cx="1559857" cy="833716"/>
+            </a:xfrm>
+            <a:prstGeom prst="ellipse">
+              <a:avLst/>
+            </a:prstGeom>
+            <a:noFill/>
+            <a:ln w="19050">
+              <a:solidFill>
+                <a:schemeClr val="tx1"/>
+              </a:solidFill>
+            </a:ln>
+          </p:spPr>
+          <p:style>
+            <a:lnRef idx="2">
+              <a:schemeClr val="accent1">
+                <a:shade val="50000"/>
+              </a:schemeClr>
+            </a:lnRef>
+            <a:fillRef idx="1">
+              <a:schemeClr val="accent1"/>
+            </a:fillRef>
+            <a:effectRef idx="0">
+              <a:schemeClr val="accent1"/>
+            </a:effectRef>
+            <a:fontRef idx="minor">
+              <a:schemeClr val="lt1"/>
+            </a:fontRef>
+          </p:style>
+          <p:txBody>
+            <a:bodyPr rtlCol="0" anchor="ctr"/>
+            <a:lstStyle/>
+            <a:p>
+              <a:pPr algn="ctr"/>
+              <a:r>
+                <a:rPr lang="en-US" sz="1200" dirty="0" smtClean="0">
+                  <a:solidFill>
+                    <a:schemeClr val="tx1"/>
+                  </a:solidFill>
+                  <a:latin typeface="Times New Roman" panose="02020603050405020304" pitchFamily="18" charset="0"/>
+                  <a:cs typeface="Times New Roman" panose="02020603050405020304" pitchFamily="18" charset="0"/>
+                </a:rPr>
+                <a:t>Reset robotic arm rest pose and </a:t>
+              </a:r>
+            </a:p>
+            <a:p>
+              <a:pPr algn="ctr"/>
+              <a:r>
+                <a:rPr lang="en-US" sz="1200" dirty="0" smtClean="0">
+                  <a:solidFill>
+                    <a:schemeClr val="tx1"/>
+                  </a:solidFill>
+                  <a:latin typeface="Times New Roman" panose="02020603050405020304" pitchFamily="18" charset="0"/>
+                  <a:cs typeface="Times New Roman" panose="02020603050405020304" pitchFamily="18" charset="0"/>
+                </a:rPr>
+                <a:t>restart to go.</a:t>
+              </a:r>
+              <a:endParaRPr lang="en-US" sz="1200" dirty="0">
+                <a:solidFill>
+                  <a:schemeClr val="tx1"/>
+                </a:solidFill>
+                <a:latin typeface="Times New Roman" panose="02020603050405020304" pitchFamily="18" charset="0"/>
+                <a:cs typeface="Times New Roman" panose="02020603050405020304" pitchFamily="18" charset="0"/>
+              </a:endParaRPr>
+            </a:p>
+          </p:txBody>
+        </p:sp>
+        <p:sp>
+          <p:nvSpPr>
+            <p:cNvPr id="16" name="楕円 15"/>
+            <p:cNvSpPr/>
+            <p:nvPr/>
+          </p:nvSpPr>
+          <p:spPr>
+            <a:xfrm>
+              <a:off x="5993000" y="1617562"/>
+              <a:ext cx="1559857" cy="833716"/>
+            </a:xfrm>
+            <a:prstGeom prst="ellipse">
+              <a:avLst/>
+            </a:prstGeom>
+            <a:noFill/>
+            <a:ln w="19050">
+              <a:solidFill>
+                <a:schemeClr val="tx1"/>
+              </a:solidFill>
+            </a:ln>
+          </p:spPr>
+          <p:style>
+            <a:lnRef idx="2">
+              <a:schemeClr val="accent1">
+                <a:shade val="50000"/>
+              </a:schemeClr>
+            </a:lnRef>
+            <a:fillRef idx="1">
+              <a:schemeClr val="accent1"/>
+            </a:fillRef>
+            <a:effectRef idx="0">
+              <a:schemeClr val="accent1"/>
+            </a:effectRef>
+            <a:fontRef idx="minor">
+              <a:schemeClr val="lt1"/>
+            </a:fontRef>
+          </p:style>
+          <p:txBody>
+            <a:bodyPr rtlCol="0" anchor="ctr"/>
+            <a:lstStyle/>
+            <a:p>
+              <a:pPr algn="ctr"/>
+              <a:r>
+                <a:rPr lang="en-US" sz="1200" dirty="0" smtClean="0">
+                  <a:solidFill>
+                    <a:schemeClr val="tx1"/>
+                  </a:solidFill>
+                  <a:latin typeface="Times New Roman" panose="02020603050405020304" pitchFamily="18" charset="0"/>
+                  <a:cs typeface="Times New Roman" panose="02020603050405020304" pitchFamily="18" charset="0"/>
+                </a:rPr>
+                <a:t>Set elbow joint torque mode.</a:t>
+              </a:r>
+              <a:endParaRPr lang="en-US" sz="1200" dirty="0">
+                <a:solidFill>
+                  <a:schemeClr val="tx1"/>
+                </a:solidFill>
+                <a:latin typeface="Times New Roman" panose="02020603050405020304" pitchFamily="18" charset="0"/>
+                <a:cs typeface="Times New Roman" panose="02020603050405020304" pitchFamily="18" charset="0"/>
+              </a:endParaRPr>
+            </a:p>
+          </p:txBody>
+        </p:sp>
+        <p:sp>
+          <p:nvSpPr>
+            <p:cNvPr id="17" name="楕円 16"/>
+            <p:cNvSpPr/>
+            <p:nvPr/>
+          </p:nvSpPr>
+          <p:spPr>
+            <a:xfrm>
+              <a:off x="5847594" y="3835900"/>
+              <a:ext cx="1850668" cy="833716"/>
+            </a:xfrm>
+            <a:prstGeom prst="ellipse">
+              <a:avLst/>
+            </a:prstGeom>
+            <a:noFill/>
+            <a:ln w="19050">
+              <a:solidFill>
+                <a:schemeClr val="tx1"/>
+              </a:solidFill>
+            </a:ln>
+          </p:spPr>
+          <p:style>
+            <a:lnRef idx="2">
+              <a:schemeClr val="accent1">
+                <a:shade val="50000"/>
+              </a:schemeClr>
+            </a:lnRef>
+            <a:fillRef idx="1">
+              <a:schemeClr val="accent1"/>
+            </a:fillRef>
+            <a:effectRef idx="0">
+              <a:schemeClr val="accent1"/>
+            </a:effectRef>
+            <a:fontRef idx="minor">
+              <a:schemeClr val="lt1"/>
+            </a:fontRef>
+          </p:style>
+          <p:txBody>
+            <a:bodyPr rtlCol="0" anchor="ctr"/>
+            <a:lstStyle/>
+            <a:p>
+              <a:pPr algn="ctr"/>
+              <a:r>
+                <a:rPr lang="en-US" sz="1200" dirty="0" smtClean="0">
+                  <a:solidFill>
+                    <a:schemeClr val="tx1"/>
+                  </a:solidFill>
+                  <a:latin typeface="Times New Roman" panose="02020603050405020304" pitchFamily="18" charset="0"/>
+                  <a:cs typeface="Times New Roman" panose="02020603050405020304" pitchFamily="18" charset="0"/>
+                </a:rPr>
+                <a:t>Go to the other side of bathroom with keeping distance 200mm.</a:t>
+              </a:r>
+            </a:p>
+          </p:txBody>
+        </p:sp>
+        <p:cxnSp>
+          <p:nvCxnSpPr>
+            <p:cNvPr id="18" name="直線矢印コネクタ 17"/>
+            <p:cNvCxnSpPr>
+              <a:stCxn id="22" idx="4"/>
+              <a:endCxn id="17" idx="0"/>
+            </p:cNvCxnSpPr>
+            <p:nvPr/>
+          </p:nvCxnSpPr>
+          <p:spPr>
+            <a:xfrm flipH="1">
+              <a:off x="6772928" y="3560447"/>
+              <a:ext cx="1" cy="275453"/>
+            </a:xfrm>
+            <a:prstGeom prst="straightConnector1">
+              <a:avLst/>
+            </a:prstGeom>
+            <a:ln w="19050">
+              <a:solidFill>
+                <a:schemeClr val="tx1"/>
+              </a:solidFill>
+              <a:tailEnd type="triangle"/>
+            </a:ln>
+          </p:spPr>
+          <p:style>
+            <a:lnRef idx="1">
+              <a:schemeClr val="accent1"/>
+            </a:lnRef>
+            <a:fillRef idx="0">
+              <a:schemeClr val="accent1"/>
+            </a:fillRef>
+            <a:effectRef idx="0">
+              <a:schemeClr val="accent1"/>
+            </a:effectRef>
+            <a:fontRef idx="minor">
+              <a:schemeClr val="tx1"/>
+            </a:fontRef>
+          </p:style>
+        </p:cxnSp>
+        <p:cxnSp>
+          <p:nvCxnSpPr>
+            <p:cNvPr id="19" name="直線矢印コネクタ 18"/>
+            <p:cNvCxnSpPr>
+              <a:stCxn id="14" idx="4"/>
+              <a:endCxn id="16" idx="0"/>
+            </p:cNvCxnSpPr>
+            <p:nvPr/>
+          </p:nvCxnSpPr>
+          <p:spPr>
+            <a:xfrm>
+              <a:off x="6772929" y="1363879"/>
+              <a:ext cx="0" cy="253683"/>
+            </a:xfrm>
+            <a:prstGeom prst="straightConnector1">
+              <a:avLst/>
+            </a:prstGeom>
+            <a:ln w="19050">
+              <a:solidFill>
+                <a:schemeClr val="tx1"/>
+              </a:solidFill>
+              <a:tailEnd type="triangle"/>
+            </a:ln>
+          </p:spPr>
+          <p:style>
+            <a:lnRef idx="1">
+              <a:schemeClr val="accent1"/>
+            </a:lnRef>
+            <a:fillRef idx="0">
+              <a:schemeClr val="accent1"/>
+            </a:fillRef>
+            <a:effectRef idx="0">
+              <a:schemeClr val="accent1"/>
+            </a:effectRef>
+            <a:fontRef idx="minor">
+              <a:schemeClr val="tx1"/>
+            </a:fontRef>
+          </p:style>
+        </p:cxnSp>
+        <p:cxnSp>
+          <p:nvCxnSpPr>
+            <p:cNvPr id="20" name="直線矢印コネクタ 19"/>
+            <p:cNvCxnSpPr>
+              <a:stCxn id="16" idx="4"/>
+              <a:endCxn id="22" idx="0"/>
+            </p:cNvCxnSpPr>
+            <p:nvPr/>
+          </p:nvCxnSpPr>
+          <p:spPr>
+            <a:xfrm>
+              <a:off x="6772929" y="2451278"/>
+              <a:ext cx="0" cy="275453"/>
+            </a:xfrm>
+            <a:prstGeom prst="straightConnector1">
+              <a:avLst/>
+            </a:prstGeom>
+            <a:ln w="19050">
+              <a:solidFill>
+                <a:schemeClr val="tx1"/>
+              </a:solidFill>
+              <a:tailEnd type="triangle"/>
+            </a:ln>
+          </p:spPr>
+          <p:style>
+            <a:lnRef idx="1">
+              <a:schemeClr val="accent1"/>
+            </a:lnRef>
+            <a:fillRef idx="0">
+              <a:schemeClr val="accent1"/>
+            </a:fillRef>
+            <a:effectRef idx="0">
+              <a:schemeClr val="accent1"/>
+            </a:effectRef>
+            <a:fontRef idx="minor">
+              <a:schemeClr val="tx1"/>
+            </a:fontRef>
+          </p:style>
+        </p:cxnSp>
+        <p:cxnSp>
+          <p:nvCxnSpPr>
+            <p:cNvPr id="21" name="直線矢印コネクタ 20"/>
+            <p:cNvCxnSpPr>
+              <a:stCxn id="17" idx="4"/>
+              <a:endCxn id="15" idx="0"/>
+            </p:cNvCxnSpPr>
+            <p:nvPr/>
+          </p:nvCxnSpPr>
+          <p:spPr>
+            <a:xfrm>
+              <a:off x="6772928" y="4669616"/>
+              <a:ext cx="1" cy="275453"/>
+            </a:xfrm>
+            <a:prstGeom prst="straightConnector1">
+              <a:avLst/>
+            </a:prstGeom>
+            <a:ln w="19050">
+              <a:solidFill>
+                <a:schemeClr val="tx1"/>
+              </a:solidFill>
+              <a:tailEnd type="triangle"/>
+            </a:ln>
+          </p:spPr>
+          <p:style>
+            <a:lnRef idx="1">
+              <a:schemeClr val="accent1"/>
+            </a:lnRef>
+            <a:fillRef idx="0">
+              <a:schemeClr val="accent1"/>
+            </a:fillRef>
+            <a:effectRef idx="0">
+              <a:schemeClr val="accent1"/>
+            </a:effectRef>
+            <a:fontRef idx="minor">
+              <a:schemeClr val="tx1"/>
+            </a:fontRef>
+          </p:style>
+        </p:cxnSp>
+        <p:sp>
+          <p:nvSpPr>
+            <p:cNvPr id="22" name="楕円 21"/>
+            <p:cNvSpPr/>
+            <p:nvPr/>
+          </p:nvSpPr>
+          <p:spPr>
+            <a:xfrm>
+              <a:off x="5993000" y="2726731"/>
+              <a:ext cx="1559857" cy="833716"/>
+            </a:xfrm>
+            <a:prstGeom prst="ellipse">
+              <a:avLst/>
+            </a:prstGeom>
+            <a:noFill/>
+            <a:ln w="19050">
+              <a:solidFill>
+                <a:schemeClr val="tx1"/>
+              </a:solidFill>
+            </a:ln>
+          </p:spPr>
+          <p:style>
+            <a:lnRef idx="2">
+              <a:schemeClr val="accent1">
+                <a:shade val="50000"/>
+              </a:schemeClr>
+            </a:lnRef>
+            <a:fillRef idx="1">
+              <a:schemeClr val="accent1"/>
+            </a:fillRef>
+            <a:effectRef idx="0">
+              <a:schemeClr val="accent1"/>
+            </a:effectRef>
+            <a:fontRef idx="minor">
+              <a:schemeClr val="lt1"/>
+            </a:fontRef>
+          </p:style>
+          <p:txBody>
+            <a:bodyPr rtlCol="0" anchor="ctr"/>
+            <a:lstStyle/>
+            <a:p>
+              <a:pPr algn="ctr"/>
+              <a:r>
+                <a:rPr lang="en-US" sz="1200" dirty="0" smtClean="0">
+                  <a:solidFill>
+                    <a:schemeClr val="tx1"/>
+                  </a:solidFill>
+                  <a:latin typeface="Times New Roman" panose="02020603050405020304" pitchFamily="18" charset="0"/>
+                  <a:cs typeface="Times New Roman" panose="02020603050405020304" pitchFamily="18" charset="0"/>
+                </a:rPr>
+                <a:t>Move end effector onto top of toilet bowl.</a:t>
+              </a:r>
+            </a:p>
+          </p:txBody>
+        </p:sp>
+      </p:grpSp>
+    </p:spTree>
+    <p:extLst>
+      <p:ext uri="{BB962C8B-B14F-4D97-AF65-F5344CB8AC3E}">
+        <p14:creationId xmlns:p14="http://schemas.microsoft.com/office/powerpoint/2010/main" val="170212756"/>
       </p:ext>
     </p:extLst>
   </p:cSld>
